--- a/Capstone_Two/reports/Capstone_Two_Slides.pptx
+++ b/Capstone_Two/reports/Capstone_Two_Slides.pptx
@@ -15,7 +15,6 @@
     <p:sldId id="261" r:id="rId9"/>
     <p:sldId id="268" r:id="rId10"/>
     <p:sldId id="270" r:id="rId11"/>
-    <p:sldId id="269" r:id="rId12"/>
   </p:sldIdLst>
   <p:sldSz cx="12192000" cy="6858000"/>
   <p:notesSz cx="6858000" cy="9144000"/>
@@ -114,6 +113,11 @@
       </a:defRPr>
     </a:lvl9pPr>
   </p:defaultTextStyle>
+  <p:extLst>
+    <p:ext uri="{EFAFB233-063F-42B5-8137-9DF3F51BA10A}">
+      <p15:sldGuideLst xmlns:p15="http://schemas.microsoft.com/office/powerpoint/2012/main"/>
+    </p:ext>
+  </p:extLst>
 </p:presentation>
 </file>
 
@@ -264,7 +268,7 @@
           <a:p>
             <a:fld id="{1A9F8139-CF9E-7846-A4CE-118DC74B0FB8}" type="datetimeFigureOut">
               <a:rPr lang="en-US" smtClean="0"/>
-              <a:t>6/25/23</a:t>
+              <a:t>6/26/23</a:t>
             </a:fld>
             <a:endParaRPr lang="en-US"/>
           </a:p>
@@ -462,7 +466,7 @@
           <a:p>
             <a:fld id="{1A9F8139-CF9E-7846-A4CE-118DC74B0FB8}" type="datetimeFigureOut">
               <a:rPr lang="en-US" smtClean="0"/>
-              <a:t>6/25/23</a:t>
+              <a:t>6/26/23</a:t>
             </a:fld>
             <a:endParaRPr lang="en-US"/>
           </a:p>
@@ -670,7 +674,7 @@
           <a:p>
             <a:fld id="{1A9F8139-CF9E-7846-A4CE-118DC74B0FB8}" type="datetimeFigureOut">
               <a:rPr lang="en-US" smtClean="0"/>
-              <a:t>6/25/23</a:t>
+              <a:t>6/26/23</a:t>
             </a:fld>
             <a:endParaRPr lang="en-US"/>
           </a:p>
@@ -868,7 +872,7 @@
           <a:p>
             <a:fld id="{1A9F8139-CF9E-7846-A4CE-118DC74B0FB8}" type="datetimeFigureOut">
               <a:rPr lang="en-US" smtClean="0"/>
-              <a:t>6/25/23</a:t>
+              <a:t>6/26/23</a:t>
             </a:fld>
             <a:endParaRPr lang="en-US"/>
           </a:p>
@@ -1143,7 +1147,7 @@
           <a:p>
             <a:fld id="{1A9F8139-CF9E-7846-A4CE-118DC74B0FB8}" type="datetimeFigureOut">
               <a:rPr lang="en-US" smtClean="0"/>
-              <a:t>6/25/23</a:t>
+              <a:t>6/26/23</a:t>
             </a:fld>
             <a:endParaRPr lang="en-US"/>
           </a:p>
@@ -1408,7 +1412,7 @@
           <a:p>
             <a:fld id="{1A9F8139-CF9E-7846-A4CE-118DC74B0FB8}" type="datetimeFigureOut">
               <a:rPr lang="en-US" smtClean="0"/>
-              <a:t>6/25/23</a:t>
+              <a:t>6/26/23</a:t>
             </a:fld>
             <a:endParaRPr lang="en-US"/>
           </a:p>
@@ -1820,7 +1824,7 @@
           <a:p>
             <a:fld id="{1A9F8139-CF9E-7846-A4CE-118DC74B0FB8}" type="datetimeFigureOut">
               <a:rPr lang="en-US" smtClean="0"/>
-              <a:t>6/25/23</a:t>
+              <a:t>6/26/23</a:t>
             </a:fld>
             <a:endParaRPr lang="en-US"/>
           </a:p>
@@ -1961,7 +1965,7 @@
           <a:p>
             <a:fld id="{1A9F8139-CF9E-7846-A4CE-118DC74B0FB8}" type="datetimeFigureOut">
               <a:rPr lang="en-US" smtClean="0"/>
-              <a:t>6/25/23</a:t>
+              <a:t>6/26/23</a:t>
             </a:fld>
             <a:endParaRPr lang="en-US"/>
           </a:p>
@@ -2074,7 +2078,7 @@
           <a:p>
             <a:fld id="{1A9F8139-CF9E-7846-A4CE-118DC74B0FB8}" type="datetimeFigureOut">
               <a:rPr lang="en-US" smtClean="0"/>
-              <a:t>6/25/23</a:t>
+              <a:t>6/26/23</a:t>
             </a:fld>
             <a:endParaRPr lang="en-US"/>
           </a:p>
@@ -2385,7 +2389,7 @@
           <a:p>
             <a:fld id="{1A9F8139-CF9E-7846-A4CE-118DC74B0FB8}" type="datetimeFigureOut">
               <a:rPr lang="en-US" smtClean="0"/>
-              <a:t>6/25/23</a:t>
+              <a:t>6/26/23</a:t>
             </a:fld>
             <a:endParaRPr lang="en-US"/>
           </a:p>
@@ -2673,7 +2677,7 @@
           <a:p>
             <a:fld id="{1A9F8139-CF9E-7846-A4CE-118DC74B0FB8}" type="datetimeFigureOut">
               <a:rPr lang="en-US" smtClean="0"/>
-              <a:t>6/25/23</a:t>
+              <a:t>6/26/23</a:t>
             </a:fld>
             <a:endParaRPr lang="en-US"/>
           </a:p>
@@ -2917,7 +2921,7 @@
           <a:p>
             <a:fld id="{1A9F8139-CF9E-7846-A4CE-118DC74B0FB8}" type="datetimeFigureOut">
               <a:rPr lang="en-US" smtClean="0"/>
-              <a:t>6/25/23</a:t>
+              <a:t>6/26/23</a:t>
             </a:fld>
             <a:endParaRPr lang="en-US"/>
           </a:p>
@@ -3454,9 +3458,16 @@
             <p:ph idx="1"/>
           </p:nvPr>
         </p:nvSpPr>
-        <p:spPr/>
+        <p:spPr>
+          <a:xfrm>
+            <a:off x="838200" y="1690688"/>
+            <a:ext cx="10515600" cy="4750499"/>
+          </a:xfrm>
+        </p:spPr>
         <p:txBody>
-          <a:bodyPr/>
+          <a:bodyPr>
+            <a:normAutofit/>
+          </a:bodyPr>
           <a:lstStyle/>
           <a:p>
             <a:pPr marL="0" indent="0">
@@ -3475,10 +3486,43 @@
             </a:r>
           </a:p>
           <a:p>
+            <a:pPr marL="458788" indent="-230188"/>
+            <a:r>
+              <a:rPr lang="en-US" sz="4000" kern="0" dirty="0">
+                <a:solidFill>
+                  <a:schemeClr val="bg1"/>
+                </a:solidFill>
+                <a:latin typeface="Calibri" panose="020F0502020204030204" pitchFamily="34" charset="0"/>
+                <a:ea typeface="Times New Roman" panose="02020603050405020304" pitchFamily="18" charset="0"/>
+                <a:cs typeface="Calibri" panose="020F0502020204030204" pitchFamily="34" charset="0"/>
+              </a:rPr>
+              <a:t> </a:t>
+            </a:r>
+            <a:r>
+              <a:rPr lang="en-US" sz="3600" kern="0" dirty="0">
+                <a:solidFill>
+                  <a:schemeClr val="bg1"/>
+                </a:solidFill>
+                <a:latin typeface="Calibri" panose="020F0502020204030204" pitchFamily="34" charset="0"/>
+                <a:ea typeface="Times New Roman" panose="02020603050405020304" pitchFamily="18" charset="0"/>
+                <a:cs typeface="Calibri" panose="020F0502020204030204" pitchFamily="34" charset="0"/>
+              </a:rPr>
+              <a:t>Obtain objective health data</a:t>
+            </a:r>
+            <a:endParaRPr lang="en-US" sz="4000" kern="0" dirty="0">
+              <a:solidFill>
+                <a:schemeClr val="bg1"/>
+              </a:solidFill>
+              <a:latin typeface="Calibri" panose="020F0502020204030204" pitchFamily="34" charset="0"/>
+              <a:ea typeface="Times New Roman" panose="02020603050405020304" pitchFamily="18" charset="0"/>
+              <a:cs typeface="Calibri" panose="020F0502020204030204" pitchFamily="34" charset="0"/>
+            </a:endParaRPr>
+          </a:p>
+          <a:p>
             <a:pPr marL="0" indent="0">
               <a:buNone/>
             </a:pPr>
-            <a:endParaRPr lang="en-US" sz="4400" kern="0" dirty="0">
+            <a:endParaRPr lang="en-US" sz="1050" kern="0" dirty="0">
               <a:solidFill>
                 <a:schemeClr val="bg1"/>
               </a:solidFill>
@@ -3501,6 +3545,63 @@
               </a:rPr>
               <a:t>Environmental pollution over time</a:t>
             </a:r>
+          </a:p>
+          <a:p>
+            <a:pPr marL="688975" indent="-230188"/>
+            <a:r>
+              <a:rPr lang="en-US" sz="4000" kern="0" dirty="0">
+                <a:solidFill>
+                  <a:schemeClr val="bg1"/>
+                </a:solidFill>
+                <a:latin typeface="Calibri" panose="020F0502020204030204" pitchFamily="34" charset="0"/>
+                <a:ea typeface="Times New Roman" panose="02020603050405020304" pitchFamily="18" charset="0"/>
+                <a:cs typeface="Calibri" panose="020F0502020204030204" pitchFamily="34" charset="0"/>
+              </a:rPr>
+              <a:t> </a:t>
+            </a:r>
+            <a:r>
+              <a:rPr lang="en-US" sz="3600" kern="0" dirty="0">
+                <a:solidFill>
+                  <a:schemeClr val="bg1"/>
+                </a:solidFill>
+                <a:latin typeface="Calibri" panose="020F0502020204030204" pitchFamily="34" charset="0"/>
+                <a:ea typeface="Times New Roman" panose="02020603050405020304" pitchFamily="18" charset="0"/>
+                <a:cs typeface="Calibri" panose="020F0502020204030204" pitchFamily="34" charset="0"/>
+              </a:rPr>
+              <a:t>Include only people who have been living in   the same census tract for 10 years</a:t>
+            </a:r>
+          </a:p>
+          <a:p>
+            <a:pPr marL="688975" indent="-230188"/>
+            <a:r>
+              <a:rPr lang="en-US" sz="3600" kern="0" dirty="0">
+                <a:solidFill>
+                  <a:schemeClr val="bg1"/>
+                </a:solidFill>
+                <a:latin typeface="Calibri" panose="020F0502020204030204" pitchFamily="34" charset="0"/>
+                <a:ea typeface="Times New Roman" panose="02020603050405020304" pitchFamily="18" charset="0"/>
+                <a:cs typeface="Calibri" panose="020F0502020204030204" pitchFamily="34" charset="0"/>
+              </a:rPr>
+              <a:t> Use more than one year of environmental data</a:t>
+            </a:r>
+            <a:endParaRPr lang="en-US" sz="3600" kern="100" dirty="0">
+              <a:solidFill>
+                <a:schemeClr val="bg1"/>
+              </a:solidFill>
+              <a:latin typeface="Calibri" panose="020F0502020204030204" pitchFamily="34" charset="0"/>
+              <a:ea typeface="Calibri" panose="020F0502020204030204" pitchFamily="34" charset="0"/>
+              <a:cs typeface="Times New Roman" panose="02020603050405020304" pitchFamily="18" charset="0"/>
+            </a:endParaRPr>
+          </a:p>
+          <a:p>
+            <a:endParaRPr lang="en-US" sz="4000" kern="0" dirty="0">
+              <a:solidFill>
+                <a:schemeClr val="bg1"/>
+              </a:solidFill>
+              <a:latin typeface="Calibri" panose="020F0502020204030204" pitchFamily="34" charset="0"/>
+              <a:ea typeface="Times New Roman" panose="02020603050405020304" pitchFamily="18" charset="0"/>
+              <a:cs typeface="Calibri" panose="020F0502020204030204" pitchFamily="34" charset="0"/>
+            </a:endParaRPr>
           </a:p>
           <a:p>
             <a:pPr marL="0" indent="0">
@@ -3616,336 +3717,7 @@
                                         <p:tgtEl>
                                           <p:spTgt spid="3">
                                             <p:txEl>
-                                              <p:pRg st="2" end="2"/>
-                                            </p:txEl>
-                                          </p:spTgt>
-                                        </p:tgtEl>
-                                        <p:attrNameLst>
-                                          <p:attrName>style.visibility</p:attrName>
-                                        </p:attrNameLst>
-                                      </p:cBhvr>
-                                      <p:to>
-                                        <p:strVal val="visible"/>
-                                      </p:to>
-                                    </p:set>
-                                  </p:childTnLst>
-                                </p:cTn>
-                              </p:par>
-                              <p:par>
-                                <p:cTn id="11" presetID="9" presetClass="emph" presetSubtype="0" nodeType="withEffect">
-                                  <p:stCondLst>
-                                    <p:cond delay="0"/>
-                                  </p:stCondLst>
-                                  <p:childTnLst>
-                                    <p:set>
-                                      <p:cBhvr>
-                                        <p:cTn id="12" dur="indefinite"/>
-                                        <p:tgtEl>
-                                          <p:spTgt spid="3">
-                                            <p:txEl>
-                                              <p:pRg st="0" end="0"/>
-                                            </p:txEl>
-                                          </p:spTgt>
-                                        </p:tgtEl>
-                                        <p:attrNameLst>
-                                          <p:attrName>style.opacity</p:attrName>
-                                        </p:attrNameLst>
-                                      </p:cBhvr>
-                                      <p:to>
-                                        <p:strVal val="0.25"/>
-                                      </p:to>
-                                    </p:set>
-                                    <p:animEffect filter="image" prLst="opacity: 0.25">
-                                      <p:cBhvr rctx="IE">
-                                        <p:cTn id="13" dur="indefinite"/>
-                                        <p:tgtEl>
-                                          <p:spTgt spid="3">
-                                            <p:txEl>
-                                              <p:pRg st="0" end="0"/>
-                                            </p:txEl>
-                                          </p:spTgt>
-                                        </p:tgtEl>
-                                      </p:cBhvr>
-                                    </p:animEffect>
-                                  </p:childTnLst>
-                                </p:cTn>
-                              </p:par>
-                            </p:childTnLst>
-                          </p:cTn>
-                        </p:par>
-                      </p:childTnLst>
-                    </p:cTn>
-                  </p:par>
-                </p:childTnLst>
-              </p:cTn>
-              <p:prevCondLst>
-                <p:cond evt="onPrev" delay="0">
-                  <p:tgtEl>
-                    <p:sldTgt/>
-                  </p:tgtEl>
-                </p:cond>
-              </p:prevCondLst>
-              <p:nextCondLst>
-                <p:cond evt="onNext" delay="0">
-                  <p:tgtEl>
-                    <p:sldTgt/>
-                  </p:tgtEl>
-                </p:cond>
-              </p:nextCondLst>
-            </p:seq>
-          </p:childTnLst>
-        </p:cTn>
-      </p:par>
-    </p:tnLst>
-  </p:timing>
-</p:sld>
-</file>
-
-<file path=ppt/slides/slide11.xml><?xml version="1.0" encoding="utf-8"?>
-<p:sld xmlns:a="http://schemas.openxmlformats.org/drawingml/2006/main" xmlns:r="http://schemas.openxmlformats.org/officeDocument/2006/relationships" xmlns:p="http://schemas.openxmlformats.org/presentationml/2006/main">
-  <p:cSld>
-    <p:spTree>
-      <p:nvGrpSpPr>
-        <p:cNvPr id="1" name=""/>
-        <p:cNvGrpSpPr/>
-        <p:nvPr/>
-      </p:nvGrpSpPr>
-      <p:grpSpPr>
-        <a:xfrm>
-          <a:off x="0" y="0"/>
-          <a:ext cx="0" cy="0"/>
-          <a:chOff x="0" y="0"/>
-          <a:chExt cx="0" cy="0"/>
-        </a:xfrm>
-      </p:grpSpPr>
-      <p:sp>
-        <p:nvSpPr>
-          <p:cNvPr id="2" name="Title 1">
-            <a:extLst>
-              <a:ext uri="{FF2B5EF4-FFF2-40B4-BE49-F238E27FC236}">
-                <a16:creationId xmlns:a16="http://schemas.microsoft.com/office/drawing/2014/main" id="{3FFFBFC6-29A6-DB04-E703-9A414D471503}"/>
-              </a:ext>
-            </a:extLst>
-          </p:cNvPr>
-          <p:cNvSpPr>
-            <a:spLocks noGrp="1"/>
-          </p:cNvSpPr>
-          <p:nvPr>
-            <p:ph type="title"/>
-          </p:nvPr>
-        </p:nvSpPr>
-        <p:spPr/>
-        <p:txBody>
-          <a:bodyPr>
-            <a:normAutofit/>
-          </a:bodyPr>
-          <a:lstStyle/>
-          <a:p>
-            <a:pPr algn="ctr"/>
-            <a:r>
-              <a:rPr lang="en-US" sz="3200" dirty="0">
-                <a:solidFill>
-                  <a:schemeClr val="bg1"/>
-                </a:solidFill>
-              </a:rPr>
-              <a:t>Future Work</a:t>
-            </a:r>
-          </a:p>
-        </p:txBody>
-      </p:sp>
-      <p:sp>
-        <p:nvSpPr>
-          <p:cNvPr id="3" name="Content Placeholder 2">
-            <a:extLst>
-              <a:ext uri="{FF2B5EF4-FFF2-40B4-BE49-F238E27FC236}">
-                <a16:creationId xmlns:a16="http://schemas.microsoft.com/office/drawing/2014/main" id="{EBFEED51-1FDE-F4F3-1EFB-C17446FC068E}"/>
-              </a:ext>
-            </a:extLst>
-          </p:cNvPr>
-          <p:cNvSpPr>
-            <a:spLocks noGrp="1"/>
-          </p:cNvSpPr>
-          <p:nvPr>
-            <p:ph idx="1"/>
-          </p:nvPr>
-        </p:nvSpPr>
-        <p:spPr/>
-        <p:txBody>
-          <a:bodyPr/>
-          <a:lstStyle/>
-          <a:p>
-            <a:pPr marL="0" marR="0" indent="0">
-              <a:spcBef>
-                <a:spcPts val="0"/>
-              </a:spcBef>
-              <a:spcAft>
-                <a:spcPts val="0"/>
-              </a:spcAft>
-              <a:buNone/>
-            </a:pPr>
-            <a:r>
-              <a:rPr lang="en-US" sz="4400" kern="0" dirty="0">
-                <a:solidFill>
-                  <a:schemeClr val="bg1"/>
-                </a:solidFill>
-                <a:effectLst/>
-                <a:latin typeface="Calibri" panose="020F0502020204030204" pitchFamily="34" charset="0"/>
-                <a:ea typeface="Times New Roman" panose="02020603050405020304" pitchFamily="18" charset="0"/>
-                <a:cs typeface="Calibri" panose="020F0502020204030204" pitchFamily="34" charset="0"/>
-              </a:rPr>
-              <a:t>Obtain objective health data</a:t>
-            </a:r>
-          </a:p>
-          <a:p>
-            <a:pPr marL="0" marR="0" indent="0">
-              <a:spcBef>
-                <a:spcPts val="0"/>
-              </a:spcBef>
-              <a:spcAft>
-                <a:spcPts val="0"/>
-              </a:spcAft>
-              <a:buNone/>
-            </a:pPr>
-            <a:endParaRPr lang="en-US" sz="4400" kern="0" dirty="0">
-              <a:solidFill>
-                <a:schemeClr val="bg1"/>
-              </a:solidFill>
-              <a:effectLst/>
-              <a:latin typeface="Calibri" panose="020F0502020204030204" pitchFamily="34" charset="0"/>
-              <a:ea typeface="Times New Roman" panose="02020603050405020304" pitchFamily="18" charset="0"/>
-              <a:cs typeface="Calibri" panose="020F0502020204030204" pitchFamily="34" charset="0"/>
-            </a:endParaRPr>
-          </a:p>
-          <a:p>
-            <a:pPr marL="0" marR="0" indent="0">
-              <a:spcBef>
-                <a:spcPts val="0"/>
-              </a:spcBef>
-              <a:spcAft>
-                <a:spcPts val="0"/>
-              </a:spcAft>
-              <a:buNone/>
-            </a:pPr>
-            <a:r>
-              <a:rPr lang="en-US" sz="4400" kern="0" dirty="0">
-                <a:solidFill>
-                  <a:schemeClr val="bg1"/>
-                </a:solidFill>
-                <a:effectLst/>
-                <a:latin typeface="Calibri" panose="020F0502020204030204" pitchFamily="34" charset="0"/>
-                <a:ea typeface="Times New Roman" panose="02020603050405020304" pitchFamily="18" charset="0"/>
-                <a:cs typeface="Calibri" panose="020F0502020204030204" pitchFamily="34" charset="0"/>
-              </a:rPr>
-              <a:t>Include only people who have been living in the same census tract for 10 years</a:t>
-            </a:r>
-          </a:p>
-          <a:p>
-            <a:pPr marL="0" marR="0" indent="0">
-              <a:spcBef>
-                <a:spcPts val="0"/>
-              </a:spcBef>
-              <a:spcAft>
-                <a:spcPts val="0"/>
-              </a:spcAft>
-              <a:buNone/>
-            </a:pPr>
-            <a:endParaRPr lang="en-US" sz="4400" kern="0" dirty="0">
-              <a:solidFill>
-                <a:schemeClr val="bg1"/>
-              </a:solidFill>
-              <a:effectLst/>
-              <a:latin typeface="Calibri" panose="020F0502020204030204" pitchFamily="34" charset="0"/>
-              <a:ea typeface="Times New Roman" panose="02020603050405020304" pitchFamily="18" charset="0"/>
-              <a:cs typeface="Calibri" panose="020F0502020204030204" pitchFamily="34" charset="0"/>
-            </a:endParaRPr>
-          </a:p>
-          <a:p>
-            <a:pPr marL="0" marR="0" indent="0">
-              <a:spcBef>
-                <a:spcPts val="0"/>
-              </a:spcBef>
-              <a:spcAft>
-                <a:spcPts val="0"/>
-              </a:spcAft>
-              <a:buNone/>
-            </a:pPr>
-            <a:r>
-              <a:rPr lang="en-US" sz="4400" kern="0" dirty="0">
-                <a:solidFill>
-                  <a:schemeClr val="bg1"/>
-                </a:solidFill>
-                <a:effectLst/>
-                <a:latin typeface="Calibri" panose="020F0502020204030204" pitchFamily="34" charset="0"/>
-                <a:ea typeface="Times New Roman" panose="02020603050405020304" pitchFamily="18" charset="0"/>
-                <a:cs typeface="Calibri" panose="020F0502020204030204" pitchFamily="34" charset="0"/>
-              </a:rPr>
-              <a:t>Use more than one year of environmental data.</a:t>
-            </a:r>
-            <a:endParaRPr lang="en-US" sz="4400" kern="100" dirty="0">
-              <a:solidFill>
-                <a:schemeClr val="bg1"/>
-              </a:solidFill>
-              <a:effectLst/>
-              <a:latin typeface="Calibri" panose="020F0502020204030204" pitchFamily="34" charset="0"/>
-              <a:ea typeface="Calibri" panose="020F0502020204030204" pitchFamily="34" charset="0"/>
-              <a:cs typeface="Times New Roman" panose="02020603050405020304" pitchFamily="18" charset="0"/>
-            </a:endParaRPr>
-          </a:p>
-          <a:p>
-            <a:pPr marL="0" indent="0">
-              <a:buNone/>
-            </a:pPr>
-            <a:endParaRPr lang="en-US" dirty="0"/>
-          </a:p>
-        </p:txBody>
-      </p:sp>
-    </p:spTree>
-    <p:extLst>
-      <p:ext uri="{BB962C8B-B14F-4D97-AF65-F5344CB8AC3E}">
-        <p14:creationId xmlns:p14="http://schemas.microsoft.com/office/powerpoint/2010/main" val="2295129538"/>
-      </p:ext>
-    </p:extLst>
-  </p:cSld>
-  <p:clrMapOvr>
-    <a:masterClrMapping/>
-  </p:clrMapOvr>
-  <p:timing>
-    <p:tnLst>
-      <p:par>
-        <p:cTn id="1" dur="indefinite" restart="never" nodeType="tmRoot">
-          <p:childTnLst>
-            <p:seq concurrent="1" nextAc="seek">
-              <p:cTn id="2" dur="indefinite" nodeType="mainSeq">
-                <p:childTnLst>
-                  <p:par>
-                    <p:cTn id="3" fill="hold">
-                      <p:stCondLst>
-                        <p:cond delay="indefinite"/>
-                      </p:stCondLst>
-                      <p:childTnLst>
-                        <p:par>
-                          <p:cTn id="4" fill="hold">
-                            <p:stCondLst>
-                              <p:cond delay="0"/>
-                            </p:stCondLst>
-                            <p:childTnLst>
-                              <p:par>
-                                <p:cTn id="5" presetID="1" presetClass="entr" presetSubtype="0" fill="hold" nodeType="clickEffect">
-                                  <p:stCondLst>
-                                    <p:cond delay="0"/>
-                                  </p:stCondLst>
-                                  <p:childTnLst>
-                                    <p:set>
-                                      <p:cBhvr>
-                                        <p:cTn id="6" dur="1" fill="hold">
-                                          <p:stCondLst>
-                                            <p:cond delay="0"/>
-                                          </p:stCondLst>
-                                        </p:cTn>
-                                        <p:tgtEl>
-                                          <p:spTgt spid="3">
-                                            <p:txEl>
-                                              <p:pRg st="0" end="0"/>
+                                              <p:pRg st="1" end="1"/>
                                             </p:txEl>
                                           </p:spTgt>
                                         </p:tgtEl>
@@ -3967,26 +3739,26 @@
                     </p:cTn>
                   </p:par>
                   <p:par>
-                    <p:cTn id="7" fill="hold">
+                    <p:cTn id="11" fill="hold">
                       <p:stCondLst>
                         <p:cond delay="indefinite"/>
                       </p:stCondLst>
                       <p:childTnLst>
                         <p:par>
-                          <p:cTn id="8" fill="hold">
+                          <p:cTn id="12" fill="hold">
                             <p:stCondLst>
                               <p:cond delay="0"/>
                             </p:stCondLst>
                             <p:childTnLst>
                               <p:par>
-                                <p:cTn id="9" presetID="1" presetClass="entr" presetSubtype="0" fill="hold" nodeType="clickEffect">
+                                <p:cTn id="13" presetID="1" presetClass="entr" presetSubtype="0" fill="hold" nodeType="clickEffect">
                                   <p:stCondLst>
                                     <p:cond delay="0"/>
                                   </p:stCondLst>
                                   <p:childTnLst>
                                     <p:set>
                                       <p:cBhvr>
-                                        <p:cTn id="10" dur="1" fill="hold">
+                                        <p:cTn id="14" dur="1" fill="hold">
                                           <p:stCondLst>
                                             <p:cond delay="0"/>
                                           </p:stCondLst>
@@ -3994,7 +3766,7 @@
                                         <p:tgtEl>
                                           <p:spTgt spid="3">
                                             <p:txEl>
-                                              <p:pRg st="2" end="2"/>
+                                              <p:pRg st="3" end="3"/>
                                             </p:txEl>
                                           </p:spTgt>
                                         </p:tgtEl>
@@ -4010,14 +3782,14 @@
                                 </p:cTn>
                               </p:par>
                               <p:par>
-                                <p:cTn id="11" presetID="9" presetClass="emph" presetSubtype="0" nodeType="withEffect">
+                                <p:cTn id="15" presetID="9" presetClass="emph" presetSubtype="0" nodeType="withEffect">
                                   <p:stCondLst>
                                     <p:cond delay="0"/>
                                   </p:stCondLst>
                                   <p:childTnLst>
                                     <p:set>
                                       <p:cBhvr>
-                                        <p:cTn id="12" dur="indefinite"/>
+                                        <p:cTn id="16" dur="indefinite"/>
                                         <p:tgtEl>
                                           <p:spTgt spid="3">
                                             <p:txEl>
@@ -4035,11 +3807,50 @@
                                     </p:set>
                                     <p:animEffect filter="image" prLst="opacity: 0.25">
                                       <p:cBhvr rctx="IE">
-                                        <p:cTn id="13" dur="indefinite"/>
+                                        <p:cTn id="17" dur="indefinite"/>
                                         <p:tgtEl>
                                           <p:spTgt spid="3">
                                             <p:txEl>
                                               <p:pRg st="0" end="0"/>
+                                            </p:txEl>
+                                          </p:spTgt>
+                                        </p:tgtEl>
+                                      </p:cBhvr>
+                                    </p:animEffect>
+                                  </p:childTnLst>
+                                </p:cTn>
+                              </p:par>
+                              <p:par>
+                                <p:cTn id="18" presetID="9" presetClass="emph" presetSubtype="0" nodeType="withEffect">
+                                  <p:stCondLst>
+                                    <p:cond delay="0"/>
+                                  </p:stCondLst>
+                                  <p:childTnLst>
+                                    <p:set>
+                                      <p:cBhvr>
+                                        <p:cTn id="19" dur="indefinite"/>
+                                        <p:tgtEl>
+                                          <p:spTgt spid="3">
+                                            <p:txEl>
+                                              <p:pRg st="1" end="1"/>
+                                            </p:txEl>
+                                          </p:spTgt>
+                                        </p:tgtEl>
+                                        <p:attrNameLst>
+                                          <p:attrName>style.opacity</p:attrName>
+                                        </p:attrNameLst>
+                                      </p:cBhvr>
+                                      <p:to>
+                                        <p:strVal val="0.25"/>
+                                      </p:to>
+                                    </p:set>
+                                    <p:animEffect filter="image" prLst="opacity: 0.25">
+                                      <p:cBhvr rctx="IE">
+                                        <p:cTn id="20" dur="indefinite"/>
+                                        <p:tgtEl>
+                                          <p:spTgt spid="3">
+                                            <p:txEl>
+                                              <p:pRg st="1" end="1"/>
                                             </p:txEl>
                                           </p:spTgt>
                                         </p:tgtEl>
@@ -4055,26 +3866,26 @@
                     </p:cTn>
                   </p:par>
                   <p:par>
-                    <p:cTn id="14" fill="hold">
+                    <p:cTn id="21" fill="hold">
                       <p:stCondLst>
                         <p:cond delay="indefinite"/>
                       </p:stCondLst>
                       <p:childTnLst>
                         <p:par>
-                          <p:cTn id="15" fill="hold">
+                          <p:cTn id="22" fill="hold">
                             <p:stCondLst>
                               <p:cond delay="0"/>
                             </p:stCondLst>
                             <p:childTnLst>
                               <p:par>
-                                <p:cTn id="16" presetID="1" presetClass="entr" presetSubtype="0" fill="hold" nodeType="clickEffect">
+                                <p:cTn id="23" presetID="1" presetClass="entr" presetSubtype="0" fill="hold" nodeType="clickEffect">
                                   <p:stCondLst>
                                     <p:cond delay="0"/>
                                   </p:stCondLst>
                                   <p:childTnLst>
                                     <p:set>
                                       <p:cBhvr>
-                                        <p:cTn id="17" dur="1" fill="hold">
+                                        <p:cTn id="24" dur="1" fill="hold">
                                           <p:stCondLst>
                                             <p:cond delay="0"/>
                                           </p:stCondLst>
@@ -4097,42 +3908,52 @@
                                   </p:childTnLst>
                                 </p:cTn>
                               </p:par>
+                            </p:childTnLst>
+                          </p:cTn>
+                        </p:par>
+                      </p:childTnLst>
+                    </p:cTn>
+                  </p:par>
+                  <p:par>
+                    <p:cTn id="25" fill="hold">
+                      <p:stCondLst>
+                        <p:cond delay="indefinite"/>
+                      </p:stCondLst>
+                      <p:childTnLst>
+                        <p:par>
+                          <p:cTn id="26" fill="hold">
+                            <p:stCondLst>
+                              <p:cond delay="0"/>
+                            </p:stCondLst>
+                            <p:childTnLst>
                               <p:par>
-                                <p:cTn id="18" presetID="9" presetClass="emph" presetSubtype="0" nodeType="withEffect">
+                                <p:cTn id="27" presetID="1" presetClass="entr" presetSubtype="0" fill="hold" nodeType="clickEffect">
                                   <p:stCondLst>
                                     <p:cond delay="0"/>
                                   </p:stCondLst>
                                   <p:childTnLst>
                                     <p:set>
                                       <p:cBhvr>
-                                        <p:cTn id="19" dur="indefinite"/>
+                                        <p:cTn id="28" dur="1" fill="hold">
+                                          <p:stCondLst>
+                                            <p:cond delay="0"/>
+                                          </p:stCondLst>
+                                        </p:cTn>
                                         <p:tgtEl>
                                           <p:spTgt spid="3">
                                             <p:txEl>
-                                              <p:pRg st="2" end="2"/>
+                                              <p:pRg st="5" end="5"/>
                                             </p:txEl>
                                           </p:spTgt>
                                         </p:tgtEl>
                                         <p:attrNameLst>
-                                          <p:attrName>style.opacity</p:attrName>
+                                          <p:attrName>style.visibility</p:attrName>
                                         </p:attrNameLst>
                                       </p:cBhvr>
                                       <p:to>
-                                        <p:strVal val="0.25"/>
+                                        <p:strVal val="visible"/>
                                       </p:to>
                                     </p:set>
-                                    <p:animEffect filter="image" prLst="opacity: 0.25">
-                                      <p:cBhvr rctx="IE">
-                                        <p:cTn id="20" dur="indefinite"/>
-                                        <p:tgtEl>
-                                          <p:spTgt spid="3">
-                                            <p:txEl>
-                                              <p:pRg st="2" end="2"/>
-                                            </p:txEl>
-                                          </p:spTgt>
-                                        </p:tgtEl>
-                                      </p:cBhvr>
-                                    </p:animEffect>
                                   </p:childTnLst>
                                 </p:cTn>
                               </p:par>
@@ -4219,7 +4040,7 @@
                   <a:schemeClr val="bg1"/>
                 </a:solidFill>
               </a:rPr>
-              <a:t>Predicting</a:t>
+              <a:t>Health Outcomes Predicted</a:t>
             </a:r>
           </a:p>
         </p:txBody>
@@ -5119,14 +4940,14 @@
           <a:p>
             <a:pPr algn="ctr"/>
             <a:r>
-              <a:rPr lang="en-US" sz="3200" dirty="0">
+              <a:rPr lang="en-US" sz="2400" dirty="0">
                 <a:solidFill>
                   <a:schemeClr val="bg1"/>
                 </a:solidFill>
               </a:rPr>
-              <a:t>From</a:t>
-            </a:r>
-            <a:endParaRPr lang="en-US" sz="3600" dirty="0">
+              <a:t>Environmental Data Used</a:t>
+            </a:r>
+            <a:endParaRPr lang="en-US" sz="2800" dirty="0">
               <a:solidFill>
                 <a:schemeClr val="bg1"/>
               </a:solidFill>
@@ -7462,7 +7283,7 @@
                   <a:schemeClr val="bg1"/>
                 </a:solidFill>
               </a:rPr>
-              <a:t>Types of Regression Modeling Done</a:t>
+              <a:t>Types of Regression Modeling</a:t>
             </a:r>
           </a:p>
         </p:txBody>
@@ -10273,7 +10094,7 @@
                   <a:schemeClr val="bg1"/>
                 </a:solidFill>
               </a:rPr>
-              <a:t>	maximum R</a:t>
+              <a:t>	(maximum R</a:t>
             </a:r>
             <a:r>
               <a:rPr lang="en-US" sz="4400" baseline="30000" dirty="0">
@@ -10289,7 +10110,7 @@
                   <a:schemeClr val="bg1"/>
                 </a:solidFill>
               </a:rPr>
-              <a:t> value of 0.568</a:t>
+              <a:t> value of 0.568)</a:t>
             </a:r>
           </a:p>
           <a:p>
@@ -10302,7 +10123,20 @@
                   <a:schemeClr val="bg1"/>
                 </a:solidFill>
               </a:rPr>
-              <a:t>The tree ensemble methods work better     than the SVM or OLS</a:t>
+              <a:t>The tree ensemble methods work better     </a:t>
+            </a:r>
+          </a:p>
+          <a:p>
+            <a:pPr marL="0" indent="0">
+              <a:buNone/>
+            </a:pPr>
+            <a:r>
+              <a:rPr lang="en-US" sz="4400" dirty="0">
+                <a:solidFill>
+                  <a:schemeClr val="bg1"/>
+                </a:solidFill>
+              </a:rPr>
+              <a:t>      than the SVM or OLS</a:t>
             </a:r>
           </a:p>
           <a:p>
@@ -10460,15 +10294,64 @@
                                   </p:childTnLst>
                                 </p:cTn>
                               </p:par>
+                            </p:childTnLst>
+                          </p:cTn>
+                        </p:par>
+                      </p:childTnLst>
+                    </p:cTn>
+                  </p:par>
+                  <p:par>
+                    <p:cTn id="13" fill="hold">
+                      <p:stCondLst>
+                        <p:cond delay="indefinite"/>
+                      </p:stCondLst>
+                      <p:childTnLst>
+                        <p:par>
+                          <p:cTn id="14" fill="hold">
+                            <p:stCondLst>
+                              <p:cond delay="0"/>
+                            </p:stCondLst>
+                            <p:childTnLst>
                               <p:par>
-                                <p:cTn id="13" presetID="9" presetClass="emph" presetSubtype="0" nodeType="withEffect">
+                                <p:cTn id="15" presetID="1" presetClass="entr" presetSubtype="0" fill="hold" nodeType="clickEffect">
                                   <p:stCondLst>
                                     <p:cond delay="0"/>
                                   </p:stCondLst>
                                   <p:childTnLst>
                                     <p:set>
                                       <p:cBhvr>
-                                        <p:cTn id="14" dur="indefinite"/>
+                                        <p:cTn id="16" dur="1" fill="hold">
+                                          <p:stCondLst>
+                                            <p:cond delay="0"/>
+                                          </p:stCondLst>
+                                        </p:cTn>
+                                        <p:tgtEl>
+                                          <p:spTgt spid="3">
+                                            <p:txEl>
+                                              <p:pRg st="3" end="3"/>
+                                            </p:txEl>
+                                          </p:spTgt>
+                                        </p:tgtEl>
+                                        <p:attrNameLst>
+                                          <p:attrName>style.visibility</p:attrName>
+                                        </p:attrNameLst>
+                                      </p:cBhvr>
+                                      <p:to>
+                                        <p:strVal val="visible"/>
+                                      </p:to>
+                                    </p:set>
+                                  </p:childTnLst>
+                                </p:cTn>
+                              </p:par>
+                              <p:par>
+                                <p:cTn id="17" presetID="9" presetClass="emph" presetSubtype="0" nodeType="withEffect">
+                                  <p:stCondLst>
+                                    <p:cond delay="0"/>
+                                  </p:stCondLst>
+                                  <p:childTnLst>
+                                    <p:set>
+                                      <p:cBhvr>
+                                        <p:cTn id="18" dur="indefinite"/>
                                         <p:tgtEl>
                                           <p:spTgt spid="3">
                                             <p:txEl>
@@ -10486,7 +10369,7 @@
                                     </p:set>
                                     <p:animEffect filter="image" prLst="opacity: 0.25">
                                       <p:cBhvr rctx="IE">
-                                        <p:cTn id="15" dur="indefinite"/>
+                                        <p:cTn id="19" dur="indefinite"/>
                                         <p:tgtEl>
                                           <p:spTgt spid="3">
                                             <p:txEl>
@@ -10500,14 +10383,14 @@
                                 </p:cTn>
                               </p:par>
                               <p:par>
-                                <p:cTn id="16" presetID="9" presetClass="emph" presetSubtype="0" nodeType="withEffect">
+                                <p:cTn id="20" presetID="9" presetClass="emph" presetSubtype="0" nodeType="withEffect">
                                   <p:stCondLst>
                                     <p:cond delay="0"/>
                                   </p:stCondLst>
                                   <p:childTnLst>
                                     <p:set>
                                       <p:cBhvr>
-                                        <p:cTn id="17" dur="indefinite"/>
+                                        <p:cTn id="21" dur="indefinite"/>
                                         <p:tgtEl>
                                           <p:spTgt spid="3">
                                             <p:txEl>
@@ -10525,7 +10408,7 @@
                                     </p:set>
                                     <p:animEffect filter="image" prLst="opacity: 0.25">
                                       <p:cBhvr rctx="IE">
-                                        <p:cTn id="18" dur="indefinite"/>
+                                        <p:cTn id="22" dur="indefinite"/>
                                         <p:tgtEl>
                                           <p:spTgt spid="3">
                                             <p:txEl>
